--- a/ppt 16-9/0262.欢迎快乐晨.pptx
+++ b/ppt 16-9/0262.欢迎快乐晨.pptx
@@ -5,7 +5,7 @@
     <p:sldMasterId id="2147483648" r:id="rId1"/>
   </p:sldMasterIdLst>
   <p:sldIdLst>
-    <p:sldId id="3114" r:id="rId2"/>
+    <p:sldId id="3115" r:id="rId2"/>
   </p:sldIdLst>
   <p:sldSz cx="12192000" cy="6858000"/>
   <p:notesSz cx="6858000" cy="9144000"/>
@@ -129,7 +129,7 @@
           <p:cNvPr id="2" name="标题 1">
             <a:extLst>
               <a:ext uri="{FF2B5EF4-FFF2-40B4-BE49-F238E27FC236}">
-                <a16:creationId xmlns:a16="http://schemas.microsoft.com/office/drawing/2014/main" id="{62944938-DDA6-77BF-4182-D39E4EFB466D}"/>
+                <a16:creationId xmlns:a16="http://schemas.microsoft.com/office/drawing/2014/main" id="{2D603266-3A5E-1709-A14E-8246C1029DA3}"/>
               </a:ext>
             </a:extLst>
           </p:cNvPr>
@@ -166,7 +166,7 @@
           <p:cNvPr id="3" name="副标题 2">
             <a:extLst>
               <a:ext uri="{FF2B5EF4-FFF2-40B4-BE49-F238E27FC236}">
-                <a16:creationId xmlns:a16="http://schemas.microsoft.com/office/drawing/2014/main" id="{6D3A1990-058A-776D-FDAD-0A189996F4E8}"/>
+                <a16:creationId xmlns:a16="http://schemas.microsoft.com/office/drawing/2014/main" id="{F6292577-A360-B074-8BC1-50FF0B04D9C6}"/>
               </a:ext>
             </a:extLst>
           </p:cNvPr>
@@ -236,7 +236,7 @@
           <p:cNvPr id="4" name="日期占位符 3">
             <a:extLst>
               <a:ext uri="{FF2B5EF4-FFF2-40B4-BE49-F238E27FC236}">
-                <a16:creationId xmlns:a16="http://schemas.microsoft.com/office/drawing/2014/main" id="{9EB8F55D-C270-268D-B901-6042CEEF5263}"/>
+                <a16:creationId xmlns:a16="http://schemas.microsoft.com/office/drawing/2014/main" id="{4C9645E8-26DD-3A63-3E6F-4005E9E5D129}"/>
               </a:ext>
             </a:extLst>
           </p:cNvPr>
@@ -252,7 +252,7 @@
           <a:bodyPr/>
           <a:lstStyle/>
           <a:p>
-            <a:fld id="{30B1C58C-B9AF-4F74-AE59-F7BE0F15B1B7}" type="datetimeFigureOut">
+            <a:fld id="{E23F0D44-EC92-4E2F-B47F-8E32B3F3FCD8}" type="datetimeFigureOut">
               <a:rPr lang="zh-CN" altLang="en-US" smtClean="0"/>
               <a:t>2024/3/10</a:t>
             </a:fld>
@@ -265,7 +265,7 @@
           <p:cNvPr id="5" name="页脚占位符 4">
             <a:extLst>
               <a:ext uri="{FF2B5EF4-FFF2-40B4-BE49-F238E27FC236}">
-                <a16:creationId xmlns:a16="http://schemas.microsoft.com/office/drawing/2014/main" id="{195DB941-A348-82D2-0297-C0BA6F2EA47B}"/>
+                <a16:creationId xmlns:a16="http://schemas.microsoft.com/office/drawing/2014/main" id="{776312AF-764B-EA28-ECC4-0CA33F01436B}"/>
               </a:ext>
             </a:extLst>
           </p:cNvPr>
@@ -290,7 +290,7 @@
           <p:cNvPr id="6" name="灯片编号占位符 5">
             <a:extLst>
               <a:ext uri="{FF2B5EF4-FFF2-40B4-BE49-F238E27FC236}">
-                <a16:creationId xmlns:a16="http://schemas.microsoft.com/office/drawing/2014/main" id="{B2458B99-DCC5-C6CF-4FC0-9B38A7B8B441}"/>
+                <a16:creationId xmlns:a16="http://schemas.microsoft.com/office/drawing/2014/main" id="{AE60C2F9-468A-00F1-7327-16B0EAE61BF1}"/>
               </a:ext>
             </a:extLst>
           </p:cNvPr>
@@ -306,7 +306,7 @@
           <a:bodyPr/>
           <a:lstStyle/>
           <a:p>
-            <a:fld id="{47D79C01-078D-4783-B4C4-04435867855C}" type="slidenum">
+            <a:fld id="{EDA0990E-2083-46A7-A700-A98280564F10}" type="slidenum">
               <a:rPr lang="zh-CN" altLang="en-US" smtClean="0"/>
               <a:t>‹#›</a:t>
             </a:fld>
@@ -317,7 +317,7 @@
     </p:spTree>
     <p:extLst>
       <p:ext uri="{BB962C8B-B14F-4D97-AF65-F5344CB8AC3E}">
-        <p14:creationId xmlns:p14="http://schemas.microsoft.com/office/powerpoint/2010/main" val="373751763"/>
+        <p14:creationId xmlns:p14="http://schemas.microsoft.com/office/powerpoint/2010/main" val="3365011577"/>
       </p:ext>
     </p:extLst>
   </p:cSld>
@@ -349,7 +349,7 @@
           <p:cNvPr id="2" name="标题 1">
             <a:extLst>
               <a:ext uri="{FF2B5EF4-FFF2-40B4-BE49-F238E27FC236}">
-                <a16:creationId xmlns:a16="http://schemas.microsoft.com/office/drawing/2014/main" id="{3C191987-129E-B1FD-4DA1-3BC17011D943}"/>
+                <a16:creationId xmlns:a16="http://schemas.microsoft.com/office/drawing/2014/main" id="{27482BD0-BD8B-09BC-280B-9EEAF0FFDF65}"/>
               </a:ext>
             </a:extLst>
           </p:cNvPr>
@@ -377,7 +377,7 @@
           <p:cNvPr id="3" name="竖排文字占位符 2">
             <a:extLst>
               <a:ext uri="{FF2B5EF4-FFF2-40B4-BE49-F238E27FC236}">
-                <a16:creationId xmlns:a16="http://schemas.microsoft.com/office/drawing/2014/main" id="{6C8FE6CB-03ED-C398-69A0-613FAB884AB5}"/>
+                <a16:creationId xmlns:a16="http://schemas.microsoft.com/office/drawing/2014/main" id="{D46713E3-E803-23F4-2A50-DBE70DFC958F}"/>
               </a:ext>
             </a:extLst>
           </p:cNvPr>
@@ -434,7 +434,7 @@
           <p:cNvPr id="4" name="日期占位符 3">
             <a:extLst>
               <a:ext uri="{FF2B5EF4-FFF2-40B4-BE49-F238E27FC236}">
-                <a16:creationId xmlns:a16="http://schemas.microsoft.com/office/drawing/2014/main" id="{98E48769-26BC-FA12-B614-671F7EAEC8FE}"/>
+                <a16:creationId xmlns:a16="http://schemas.microsoft.com/office/drawing/2014/main" id="{FD115364-B72C-00CF-2565-56DC6FF6A722}"/>
               </a:ext>
             </a:extLst>
           </p:cNvPr>
@@ -450,7 +450,7 @@
           <a:bodyPr/>
           <a:lstStyle/>
           <a:p>
-            <a:fld id="{30B1C58C-B9AF-4F74-AE59-F7BE0F15B1B7}" type="datetimeFigureOut">
+            <a:fld id="{E23F0D44-EC92-4E2F-B47F-8E32B3F3FCD8}" type="datetimeFigureOut">
               <a:rPr lang="zh-CN" altLang="en-US" smtClean="0"/>
               <a:t>2024/3/10</a:t>
             </a:fld>
@@ -463,7 +463,7 @@
           <p:cNvPr id="5" name="页脚占位符 4">
             <a:extLst>
               <a:ext uri="{FF2B5EF4-FFF2-40B4-BE49-F238E27FC236}">
-                <a16:creationId xmlns:a16="http://schemas.microsoft.com/office/drawing/2014/main" id="{DADFA40E-2C54-4306-60A1-C4B93D1FEC94}"/>
+                <a16:creationId xmlns:a16="http://schemas.microsoft.com/office/drawing/2014/main" id="{C958EB6D-6527-5B7B-0A5F-C3F41E1A6059}"/>
               </a:ext>
             </a:extLst>
           </p:cNvPr>
@@ -488,7 +488,7 @@
           <p:cNvPr id="6" name="灯片编号占位符 5">
             <a:extLst>
               <a:ext uri="{FF2B5EF4-FFF2-40B4-BE49-F238E27FC236}">
-                <a16:creationId xmlns:a16="http://schemas.microsoft.com/office/drawing/2014/main" id="{70B22EAF-ED60-59B5-4517-BC29285D0B72}"/>
+                <a16:creationId xmlns:a16="http://schemas.microsoft.com/office/drawing/2014/main" id="{683F4E00-1B4E-B667-6BBA-4CD0D8732CD8}"/>
               </a:ext>
             </a:extLst>
           </p:cNvPr>
@@ -504,7 +504,7 @@
           <a:bodyPr/>
           <a:lstStyle/>
           <a:p>
-            <a:fld id="{47D79C01-078D-4783-B4C4-04435867855C}" type="slidenum">
+            <a:fld id="{EDA0990E-2083-46A7-A700-A98280564F10}" type="slidenum">
               <a:rPr lang="zh-CN" altLang="en-US" smtClean="0"/>
               <a:t>‹#›</a:t>
             </a:fld>
@@ -515,7 +515,7 @@
     </p:spTree>
     <p:extLst>
       <p:ext uri="{BB962C8B-B14F-4D97-AF65-F5344CB8AC3E}">
-        <p14:creationId xmlns:p14="http://schemas.microsoft.com/office/powerpoint/2010/main" val="386953693"/>
+        <p14:creationId xmlns:p14="http://schemas.microsoft.com/office/powerpoint/2010/main" val="2882378961"/>
       </p:ext>
     </p:extLst>
   </p:cSld>
@@ -547,7 +547,7 @@
           <p:cNvPr id="2" name="竖排标题 1">
             <a:extLst>
               <a:ext uri="{FF2B5EF4-FFF2-40B4-BE49-F238E27FC236}">
-                <a16:creationId xmlns:a16="http://schemas.microsoft.com/office/drawing/2014/main" id="{C0FB67CE-8323-6CD3-7896-9E19392CD8AE}"/>
+                <a16:creationId xmlns:a16="http://schemas.microsoft.com/office/drawing/2014/main" id="{EBD2AD31-8568-48DE-AF1E-EA601635C314}"/>
               </a:ext>
             </a:extLst>
           </p:cNvPr>
@@ -580,7 +580,7 @@
           <p:cNvPr id="3" name="竖排文字占位符 2">
             <a:extLst>
               <a:ext uri="{FF2B5EF4-FFF2-40B4-BE49-F238E27FC236}">
-                <a16:creationId xmlns:a16="http://schemas.microsoft.com/office/drawing/2014/main" id="{C79A62D7-C6FF-2FD3-6F5A-248900BDB5F3}"/>
+                <a16:creationId xmlns:a16="http://schemas.microsoft.com/office/drawing/2014/main" id="{E66B6C56-2228-7A75-2243-B01E86C51593}"/>
               </a:ext>
             </a:extLst>
           </p:cNvPr>
@@ -642,7 +642,7 @@
           <p:cNvPr id="4" name="日期占位符 3">
             <a:extLst>
               <a:ext uri="{FF2B5EF4-FFF2-40B4-BE49-F238E27FC236}">
-                <a16:creationId xmlns:a16="http://schemas.microsoft.com/office/drawing/2014/main" id="{4B71B836-8FCD-9A4D-34A5-B446A64384C7}"/>
+                <a16:creationId xmlns:a16="http://schemas.microsoft.com/office/drawing/2014/main" id="{524C2FD7-B7DB-1AA5-1CDD-65332B446C55}"/>
               </a:ext>
             </a:extLst>
           </p:cNvPr>
@@ -658,7 +658,7 @@
           <a:bodyPr/>
           <a:lstStyle/>
           <a:p>
-            <a:fld id="{30B1C58C-B9AF-4F74-AE59-F7BE0F15B1B7}" type="datetimeFigureOut">
+            <a:fld id="{E23F0D44-EC92-4E2F-B47F-8E32B3F3FCD8}" type="datetimeFigureOut">
               <a:rPr lang="zh-CN" altLang="en-US" smtClean="0"/>
               <a:t>2024/3/10</a:t>
             </a:fld>
@@ -671,7 +671,7 @@
           <p:cNvPr id="5" name="页脚占位符 4">
             <a:extLst>
               <a:ext uri="{FF2B5EF4-FFF2-40B4-BE49-F238E27FC236}">
-                <a16:creationId xmlns:a16="http://schemas.microsoft.com/office/drawing/2014/main" id="{9041072E-FCBA-7676-DB52-C9B267718F9B}"/>
+                <a16:creationId xmlns:a16="http://schemas.microsoft.com/office/drawing/2014/main" id="{E7D6EF21-3FE0-B942-0CCD-E347600582A7}"/>
               </a:ext>
             </a:extLst>
           </p:cNvPr>
@@ -696,7 +696,7 @@
           <p:cNvPr id="6" name="灯片编号占位符 5">
             <a:extLst>
               <a:ext uri="{FF2B5EF4-FFF2-40B4-BE49-F238E27FC236}">
-                <a16:creationId xmlns:a16="http://schemas.microsoft.com/office/drawing/2014/main" id="{01EF96BE-C4E0-EFD8-E7ED-A32095EE928E}"/>
+                <a16:creationId xmlns:a16="http://schemas.microsoft.com/office/drawing/2014/main" id="{FF66072C-07AF-B38A-0BDA-6B07E172417C}"/>
               </a:ext>
             </a:extLst>
           </p:cNvPr>
@@ -712,7 +712,7 @@
           <a:bodyPr/>
           <a:lstStyle/>
           <a:p>
-            <a:fld id="{47D79C01-078D-4783-B4C4-04435867855C}" type="slidenum">
+            <a:fld id="{EDA0990E-2083-46A7-A700-A98280564F10}" type="slidenum">
               <a:rPr lang="zh-CN" altLang="en-US" smtClean="0"/>
               <a:t>‹#›</a:t>
             </a:fld>
@@ -723,7 +723,7 @@
     </p:spTree>
     <p:extLst>
       <p:ext uri="{BB962C8B-B14F-4D97-AF65-F5344CB8AC3E}">
-        <p14:creationId xmlns:p14="http://schemas.microsoft.com/office/powerpoint/2010/main" val="104528947"/>
+        <p14:creationId xmlns:p14="http://schemas.microsoft.com/office/powerpoint/2010/main" val="4162591733"/>
       </p:ext>
     </p:extLst>
   </p:cSld>
@@ -755,7 +755,7 @@
           <p:cNvPr id="2" name="标题 1">
             <a:extLst>
               <a:ext uri="{FF2B5EF4-FFF2-40B4-BE49-F238E27FC236}">
-                <a16:creationId xmlns:a16="http://schemas.microsoft.com/office/drawing/2014/main" id="{D5CF4ACF-0BFA-267A-B836-ACE13E12B083}"/>
+                <a16:creationId xmlns:a16="http://schemas.microsoft.com/office/drawing/2014/main" id="{26928EDC-2978-0181-FCA9-40E2580755A1}"/>
               </a:ext>
             </a:extLst>
           </p:cNvPr>
@@ -783,7 +783,7 @@
           <p:cNvPr id="3" name="内容占位符 2">
             <a:extLst>
               <a:ext uri="{FF2B5EF4-FFF2-40B4-BE49-F238E27FC236}">
-                <a16:creationId xmlns:a16="http://schemas.microsoft.com/office/drawing/2014/main" id="{595E3EE1-9F2A-E06B-ED18-6158C3F170B3}"/>
+                <a16:creationId xmlns:a16="http://schemas.microsoft.com/office/drawing/2014/main" id="{9E209BBC-2DBD-9C1B-2234-0CE3E2B70612}"/>
               </a:ext>
             </a:extLst>
           </p:cNvPr>
@@ -840,7 +840,7 @@
           <p:cNvPr id="4" name="日期占位符 3">
             <a:extLst>
               <a:ext uri="{FF2B5EF4-FFF2-40B4-BE49-F238E27FC236}">
-                <a16:creationId xmlns:a16="http://schemas.microsoft.com/office/drawing/2014/main" id="{2CB7FC1A-8724-B2FB-FDF3-42E0A4D3B3F8}"/>
+                <a16:creationId xmlns:a16="http://schemas.microsoft.com/office/drawing/2014/main" id="{96315DCB-4C68-0D84-8DE9-6519A0978C5F}"/>
               </a:ext>
             </a:extLst>
           </p:cNvPr>
@@ -856,7 +856,7 @@
           <a:bodyPr/>
           <a:lstStyle/>
           <a:p>
-            <a:fld id="{30B1C58C-B9AF-4F74-AE59-F7BE0F15B1B7}" type="datetimeFigureOut">
+            <a:fld id="{E23F0D44-EC92-4E2F-B47F-8E32B3F3FCD8}" type="datetimeFigureOut">
               <a:rPr lang="zh-CN" altLang="en-US" smtClean="0"/>
               <a:t>2024/3/10</a:t>
             </a:fld>
@@ -869,7 +869,7 @@
           <p:cNvPr id="5" name="页脚占位符 4">
             <a:extLst>
               <a:ext uri="{FF2B5EF4-FFF2-40B4-BE49-F238E27FC236}">
-                <a16:creationId xmlns:a16="http://schemas.microsoft.com/office/drawing/2014/main" id="{CF933E87-4561-6EFA-2EF5-AA9539442B3A}"/>
+                <a16:creationId xmlns:a16="http://schemas.microsoft.com/office/drawing/2014/main" id="{C5FA5ABD-E016-8346-20E0-034E812DB3BB}"/>
               </a:ext>
             </a:extLst>
           </p:cNvPr>
@@ -894,7 +894,7 @@
           <p:cNvPr id="6" name="灯片编号占位符 5">
             <a:extLst>
               <a:ext uri="{FF2B5EF4-FFF2-40B4-BE49-F238E27FC236}">
-                <a16:creationId xmlns:a16="http://schemas.microsoft.com/office/drawing/2014/main" id="{5466CD70-62C4-A33C-B8F4-F820BB9BEB12}"/>
+                <a16:creationId xmlns:a16="http://schemas.microsoft.com/office/drawing/2014/main" id="{634057BB-8495-C663-F2BF-B3091A0B5639}"/>
               </a:ext>
             </a:extLst>
           </p:cNvPr>
@@ -910,7 +910,7 @@
           <a:bodyPr/>
           <a:lstStyle/>
           <a:p>
-            <a:fld id="{47D79C01-078D-4783-B4C4-04435867855C}" type="slidenum">
+            <a:fld id="{EDA0990E-2083-46A7-A700-A98280564F10}" type="slidenum">
               <a:rPr lang="zh-CN" altLang="en-US" smtClean="0"/>
               <a:t>‹#›</a:t>
             </a:fld>
@@ -921,7 +921,7 @@
     </p:spTree>
     <p:extLst>
       <p:ext uri="{BB962C8B-B14F-4D97-AF65-F5344CB8AC3E}">
-        <p14:creationId xmlns:p14="http://schemas.microsoft.com/office/powerpoint/2010/main" val="1031914843"/>
+        <p14:creationId xmlns:p14="http://schemas.microsoft.com/office/powerpoint/2010/main" val="472313490"/>
       </p:ext>
     </p:extLst>
   </p:cSld>
@@ -953,7 +953,7 @@
           <p:cNvPr id="2" name="标题 1">
             <a:extLst>
               <a:ext uri="{FF2B5EF4-FFF2-40B4-BE49-F238E27FC236}">
-                <a16:creationId xmlns:a16="http://schemas.microsoft.com/office/drawing/2014/main" id="{BFDAF686-138B-ECF1-0906-D7E5414C28F3}"/>
+                <a16:creationId xmlns:a16="http://schemas.microsoft.com/office/drawing/2014/main" id="{8F4DFE28-CB89-450D-F764-AD5AF4A61665}"/>
               </a:ext>
             </a:extLst>
           </p:cNvPr>
@@ -990,7 +990,7 @@
           <p:cNvPr id="3" name="文本占位符 2">
             <a:extLst>
               <a:ext uri="{FF2B5EF4-FFF2-40B4-BE49-F238E27FC236}">
-                <a16:creationId xmlns:a16="http://schemas.microsoft.com/office/drawing/2014/main" id="{5011A6A5-4BA2-11AF-192C-097327F84822}"/>
+                <a16:creationId xmlns:a16="http://schemas.microsoft.com/office/drawing/2014/main" id="{7D51BF5C-B8A4-B745-72CE-76459DB6137C}"/>
               </a:ext>
             </a:extLst>
           </p:cNvPr>
@@ -1115,7 +1115,7 @@
           <p:cNvPr id="4" name="日期占位符 3">
             <a:extLst>
               <a:ext uri="{FF2B5EF4-FFF2-40B4-BE49-F238E27FC236}">
-                <a16:creationId xmlns:a16="http://schemas.microsoft.com/office/drawing/2014/main" id="{2F48959F-5B85-3FFF-977E-CC02207BAE81}"/>
+                <a16:creationId xmlns:a16="http://schemas.microsoft.com/office/drawing/2014/main" id="{4BA2A7CD-0CDC-231D-819B-BD0259766DDE}"/>
               </a:ext>
             </a:extLst>
           </p:cNvPr>
@@ -1131,7 +1131,7 @@
           <a:bodyPr/>
           <a:lstStyle/>
           <a:p>
-            <a:fld id="{30B1C58C-B9AF-4F74-AE59-F7BE0F15B1B7}" type="datetimeFigureOut">
+            <a:fld id="{E23F0D44-EC92-4E2F-B47F-8E32B3F3FCD8}" type="datetimeFigureOut">
               <a:rPr lang="zh-CN" altLang="en-US" smtClean="0"/>
               <a:t>2024/3/10</a:t>
             </a:fld>
@@ -1144,7 +1144,7 @@
           <p:cNvPr id="5" name="页脚占位符 4">
             <a:extLst>
               <a:ext uri="{FF2B5EF4-FFF2-40B4-BE49-F238E27FC236}">
-                <a16:creationId xmlns:a16="http://schemas.microsoft.com/office/drawing/2014/main" id="{279B1B2B-7759-9DA4-A236-FC0E44F9F6BD}"/>
+                <a16:creationId xmlns:a16="http://schemas.microsoft.com/office/drawing/2014/main" id="{8EB895FD-EA05-9BAE-8D4F-54AA00F9F0B0}"/>
               </a:ext>
             </a:extLst>
           </p:cNvPr>
@@ -1169,7 +1169,7 @@
           <p:cNvPr id="6" name="灯片编号占位符 5">
             <a:extLst>
               <a:ext uri="{FF2B5EF4-FFF2-40B4-BE49-F238E27FC236}">
-                <a16:creationId xmlns:a16="http://schemas.microsoft.com/office/drawing/2014/main" id="{0B4A50B6-B189-A6A2-27FF-AB7156C7EF7E}"/>
+                <a16:creationId xmlns:a16="http://schemas.microsoft.com/office/drawing/2014/main" id="{77824985-6A6D-1F4A-5F9C-0B80E04C1AF0}"/>
               </a:ext>
             </a:extLst>
           </p:cNvPr>
@@ -1185,7 +1185,7 @@
           <a:bodyPr/>
           <a:lstStyle/>
           <a:p>
-            <a:fld id="{47D79C01-078D-4783-B4C4-04435867855C}" type="slidenum">
+            <a:fld id="{EDA0990E-2083-46A7-A700-A98280564F10}" type="slidenum">
               <a:rPr lang="zh-CN" altLang="en-US" smtClean="0"/>
               <a:t>‹#›</a:t>
             </a:fld>
@@ -1196,7 +1196,7 @@
     </p:spTree>
     <p:extLst>
       <p:ext uri="{BB962C8B-B14F-4D97-AF65-F5344CB8AC3E}">
-        <p14:creationId xmlns:p14="http://schemas.microsoft.com/office/powerpoint/2010/main" val="1939387648"/>
+        <p14:creationId xmlns:p14="http://schemas.microsoft.com/office/powerpoint/2010/main" val="2437417688"/>
       </p:ext>
     </p:extLst>
   </p:cSld>
@@ -1228,7 +1228,7 @@
           <p:cNvPr id="2" name="标题 1">
             <a:extLst>
               <a:ext uri="{FF2B5EF4-FFF2-40B4-BE49-F238E27FC236}">
-                <a16:creationId xmlns:a16="http://schemas.microsoft.com/office/drawing/2014/main" id="{F8212D81-C21C-AEF2-2A6B-FC623FE9CF78}"/>
+                <a16:creationId xmlns:a16="http://schemas.microsoft.com/office/drawing/2014/main" id="{6F20EFFB-1E56-FD40-D411-86F034927AD1}"/>
               </a:ext>
             </a:extLst>
           </p:cNvPr>
@@ -1256,7 +1256,7 @@
           <p:cNvPr id="3" name="内容占位符 2">
             <a:extLst>
               <a:ext uri="{FF2B5EF4-FFF2-40B4-BE49-F238E27FC236}">
-                <a16:creationId xmlns:a16="http://schemas.microsoft.com/office/drawing/2014/main" id="{675C931A-CFCF-1198-AF13-EC71BB986A25}"/>
+                <a16:creationId xmlns:a16="http://schemas.microsoft.com/office/drawing/2014/main" id="{EBA2076B-1D52-5843-42EA-C97F2AD382BC}"/>
               </a:ext>
             </a:extLst>
           </p:cNvPr>
@@ -1318,7 +1318,7 @@
           <p:cNvPr id="4" name="内容占位符 3">
             <a:extLst>
               <a:ext uri="{FF2B5EF4-FFF2-40B4-BE49-F238E27FC236}">
-                <a16:creationId xmlns:a16="http://schemas.microsoft.com/office/drawing/2014/main" id="{CA35D527-AE60-7EAE-8631-9638CFFAFFC5}"/>
+                <a16:creationId xmlns:a16="http://schemas.microsoft.com/office/drawing/2014/main" id="{0DE4A6CE-511F-BC65-7860-06A1153FDE39}"/>
               </a:ext>
             </a:extLst>
           </p:cNvPr>
@@ -1380,7 +1380,7 @@
           <p:cNvPr id="5" name="日期占位符 4">
             <a:extLst>
               <a:ext uri="{FF2B5EF4-FFF2-40B4-BE49-F238E27FC236}">
-                <a16:creationId xmlns:a16="http://schemas.microsoft.com/office/drawing/2014/main" id="{BB3939C2-0437-D53E-E44D-25198CD6E5C3}"/>
+                <a16:creationId xmlns:a16="http://schemas.microsoft.com/office/drawing/2014/main" id="{8813CAEF-EDD3-D4E0-1822-281A747D9AB8}"/>
               </a:ext>
             </a:extLst>
           </p:cNvPr>
@@ -1396,7 +1396,7 @@
           <a:bodyPr/>
           <a:lstStyle/>
           <a:p>
-            <a:fld id="{30B1C58C-B9AF-4F74-AE59-F7BE0F15B1B7}" type="datetimeFigureOut">
+            <a:fld id="{E23F0D44-EC92-4E2F-B47F-8E32B3F3FCD8}" type="datetimeFigureOut">
               <a:rPr lang="zh-CN" altLang="en-US" smtClean="0"/>
               <a:t>2024/3/10</a:t>
             </a:fld>
@@ -1409,7 +1409,7 @@
           <p:cNvPr id="6" name="页脚占位符 5">
             <a:extLst>
               <a:ext uri="{FF2B5EF4-FFF2-40B4-BE49-F238E27FC236}">
-                <a16:creationId xmlns:a16="http://schemas.microsoft.com/office/drawing/2014/main" id="{C0FEA958-39EC-A7FC-8A37-2796F7DA6179}"/>
+                <a16:creationId xmlns:a16="http://schemas.microsoft.com/office/drawing/2014/main" id="{62B7B622-E4B2-F362-FFDE-56F8D89F6306}"/>
               </a:ext>
             </a:extLst>
           </p:cNvPr>
@@ -1434,7 +1434,7 @@
           <p:cNvPr id="7" name="灯片编号占位符 6">
             <a:extLst>
               <a:ext uri="{FF2B5EF4-FFF2-40B4-BE49-F238E27FC236}">
-                <a16:creationId xmlns:a16="http://schemas.microsoft.com/office/drawing/2014/main" id="{B30405B3-9B3E-DD9F-4C98-C20D38411D52}"/>
+                <a16:creationId xmlns:a16="http://schemas.microsoft.com/office/drawing/2014/main" id="{8DD7CD75-D812-47A2-5210-9DB955C7BA24}"/>
               </a:ext>
             </a:extLst>
           </p:cNvPr>
@@ -1450,7 +1450,7 @@
           <a:bodyPr/>
           <a:lstStyle/>
           <a:p>
-            <a:fld id="{47D79C01-078D-4783-B4C4-04435867855C}" type="slidenum">
+            <a:fld id="{EDA0990E-2083-46A7-A700-A98280564F10}" type="slidenum">
               <a:rPr lang="zh-CN" altLang="en-US" smtClean="0"/>
               <a:t>‹#›</a:t>
             </a:fld>
@@ -1461,7 +1461,7 @@
     </p:spTree>
     <p:extLst>
       <p:ext uri="{BB962C8B-B14F-4D97-AF65-F5344CB8AC3E}">
-        <p14:creationId xmlns:p14="http://schemas.microsoft.com/office/powerpoint/2010/main" val="898914621"/>
+        <p14:creationId xmlns:p14="http://schemas.microsoft.com/office/powerpoint/2010/main" val="3749367431"/>
       </p:ext>
     </p:extLst>
   </p:cSld>
@@ -1493,7 +1493,7 @@
           <p:cNvPr id="2" name="标题 1">
             <a:extLst>
               <a:ext uri="{FF2B5EF4-FFF2-40B4-BE49-F238E27FC236}">
-                <a16:creationId xmlns:a16="http://schemas.microsoft.com/office/drawing/2014/main" id="{D1D81FA0-AF04-6B5E-FC0D-04C21E41DB46}"/>
+                <a16:creationId xmlns:a16="http://schemas.microsoft.com/office/drawing/2014/main" id="{5B88061A-D379-E6A5-00FD-849268AC7F07}"/>
               </a:ext>
             </a:extLst>
           </p:cNvPr>
@@ -1526,7 +1526,7 @@
           <p:cNvPr id="3" name="文本占位符 2">
             <a:extLst>
               <a:ext uri="{FF2B5EF4-FFF2-40B4-BE49-F238E27FC236}">
-                <a16:creationId xmlns:a16="http://schemas.microsoft.com/office/drawing/2014/main" id="{C77A96D5-73C1-5B67-ABA8-92032BCB90D9}"/>
+                <a16:creationId xmlns:a16="http://schemas.microsoft.com/office/drawing/2014/main" id="{734889F5-C853-B4D8-D0EA-677647631765}"/>
               </a:ext>
             </a:extLst>
           </p:cNvPr>
@@ -1597,7 +1597,7 @@
           <p:cNvPr id="4" name="内容占位符 3">
             <a:extLst>
               <a:ext uri="{FF2B5EF4-FFF2-40B4-BE49-F238E27FC236}">
-                <a16:creationId xmlns:a16="http://schemas.microsoft.com/office/drawing/2014/main" id="{EC2BFF53-6A7D-1FCB-0DC8-83C1FDF457A2}"/>
+                <a16:creationId xmlns:a16="http://schemas.microsoft.com/office/drawing/2014/main" id="{191CAC2D-5E06-D2A5-7A4B-CC57A46DAA3C}"/>
               </a:ext>
             </a:extLst>
           </p:cNvPr>
@@ -1659,7 +1659,7 @@
           <p:cNvPr id="5" name="文本占位符 4">
             <a:extLst>
               <a:ext uri="{FF2B5EF4-FFF2-40B4-BE49-F238E27FC236}">
-                <a16:creationId xmlns:a16="http://schemas.microsoft.com/office/drawing/2014/main" id="{9C25DA15-59F7-19EB-28FC-AD153DB76878}"/>
+                <a16:creationId xmlns:a16="http://schemas.microsoft.com/office/drawing/2014/main" id="{A8047DE6-B47E-542C-BFA4-3161D84B0664}"/>
               </a:ext>
             </a:extLst>
           </p:cNvPr>
@@ -1730,7 +1730,7 @@
           <p:cNvPr id="6" name="内容占位符 5">
             <a:extLst>
               <a:ext uri="{FF2B5EF4-FFF2-40B4-BE49-F238E27FC236}">
-                <a16:creationId xmlns:a16="http://schemas.microsoft.com/office/drawing/2014/main" id="{174A7FC3-43E3-E3FD-F939-4927153D3F79}"/>
+                <a16:creationId xmlns:a16="http://schemas.microsoft.com/office/drawing/2014/main" id="{8D004685-D6B2-8885-073D-5A5D8AB37410}"/>
               </a:ext>
             </a:extLst>
           </p:cNvPr>
@@ -1792,7 +1792,7 @@
           <p:cNvPr id="7" name="日期占位符 6">
             <a:extLst>
               <a:ext uri="{FF2B5EF4-FFF2-40B4-BE49-F238E27FC236}">
-                <a16:creationId xmlns:a16="http://schemas.microsoft.com/office/drawing/2014/main" id="{22F33087-76C0-D4B2-ACA3-358FEEC9C510}"/>
+                <a16:creationId xmlns:a16="http://schemas.microsoft.com/office/drawing/2014/main" id="{A3CC1A45-EEA1-C0BE-035D-9BF0960E6382}"/>
               </a:ext>
             </a:extLst>
           </p:cNvPr>
@@ -1808,7 +1808,7 @@
           <a:bodyPr/>
           <a:lstStyle/>
           <a:p>
-            <a:fld id="{30B1C58C-B9AF-4F74-AE59-F7BE0F15B1B7}" type="datetimeFigureOut">
+            <a:fld id="{E23F0D44-EC92-4E2F-B47F-8E32B3F3FCD8}" type="datetimeFigureOut">
               <a:rPr lang="zh-CN" altLang="en-US" smtClean="0"/>
               <a:t>2024/3/10</a:t>
             </a:fld>
@@ -1821,7 +1821,7 @@
           <p:cNvPr id="8" name="页脚占位符 7">
             <a:extLst>
               <a:ext uri="{FF2B5EF4-FFF2-40B4-BE49-F238E27FC236}">
-                <a16:creationId xmlns:a16="http://schemas.microsoft.com/office/drawing/2014/main" id="{F1E0F941-C7E9-3794-39AE-1839025DA706}"/>
+                <a16:creationId xmlns:a16="http://schemas.microsoft.com/office/drawing/2014/main" id="{BDA66144-40E2-7519-CA45-89BF1030E597}"/>
               </a:ext>
             </a:extLst>
           </p:cNvPr>
@@ -1846,7 +1846,7 @@
           <p:cNvPr id="9" name="灯片编号占位符 8">
             <a:extLst>
               <a:ext uri="{FF2B5EF4-FFF2-40B4-BE49-F238E27FC236}">
-                <a16:creationId xmlns:a16="http://schemas.microsoft.com/office/drawing/2014/main" id="{A06D11AC-7033-43B7-FABC-70B79BDCDAD8}"/>
+                <a16:creationId xmlns:a16="http://schemas.microsoft.com/office/drawing/2014/main" id="{344A733E-C6F7-A198-C329-83DA10A986AB}"/>
               </a:ext>
             </a:extLst>
           </p:cNvPr>
@@ -1862,7 +1862,7 @@
           <a:bodyPr/>
           <a:lstStyle/>
           <a:p>
-            <a:fld id="{47D79C01-078D-4783-B4C4-04435867855C}" type="slidenum">
+            <a:fld id="{EDA0990E-2083-46A7-A700-A98280564F10}" type="slidenum">
               <a:rPr lang="zh-CN" altLang="en-US" smtClean="0"/>
               <a:t>‹#›</a:t>
             </a:fld>
@@ -1873,7 +1873,7 @@
     </p:spTree>
     <p:extLst>
       <p:ext uri="{BB962C8B-B14F-4D97-AF65-F5344CB8AC3E}">
-        <p14:creationId xmlns:p14="http://schemas.microsoft.com/office/powerpoint/2010/main" val="1300737299"/>
+        <p14:creationId xmlns:p14="http://schemas.microsoft.com/office/powerpoint/2010/main" val="706546669"/>
       </p:ext>
     </p:extLst>
   </p:cSld>
@@ -1905,7 +1905,7 @@
           <p:cNvPr id="2" name="标题 1">
             <a:extLst>
               <a:ext uri="{FF2B5EF4-FFF2-40B4-BE49-F238E27FC236}">
-                <a16:creationId xmlns:a16="http://schemas.microsoft.com/office/drawing/2014/main" id="{FE82854B-4F17-DF41-0F65-4D34FDDB723C}"/>
+                <a16:creationId xmlns:a16="http://schemas.microsoft.com/office/drawing/2014/main" id="{04DCF562-CB52-70B4-4235-063F577EFAAC}"/>
               </a:ext>
             </a:extLst>
           </p:cNvPr>
@@ -1933,7 +1933,7 @@
           <p:cNvPr id="3" name="日期占位符 2">
             <a:extLst>
               <a:ext uri="{FF2B5EF4-FFF2-40B4-BE49-F238E27FC236}">
-                <a16:creationId xmlns:a16="http://schemas.microsoft.com/office/drawing/2014/main" id="{EEDAF730-92B3-476D-DDEA-83C57FB385DD}"/>
+                <a16:creationId xmlns:a16="http://schemas.microsoft.com/office/drawing/2014/main" id="{7CFDCC21-043E-5564-FC8B-F9F410B540D6}"/>
               </a:ext>
             </a:extLst>
           </p:cNvPr>
@@ -1949,7 +1949,7 @@
           <a:bodyPr/>
           <a:lstStyle/>
           <a:p>
-            <a:fld id="{30B1C58C-B9AF-4F74-AE59-F7BE0F15B1B7}" type="datetimeFigureOut">
+            <a:fld id="{E23F0D44-EC92-4E2F-B47F-8E32B3F3FCD8}" type="datetimeFigureOut">
               <a:rPr lang="zh-CN" altLang="en-US" smtClean="0"/>
               <a:t>2024/3/10</a:t>
             </a:fld>
@@ -1962,7 +1962,7 @@
           <p:cNvPr id="4" name="页脚占位符 3">
             <a:extLst>
               <a:ext uri="{FF2B5EF4-FFF2-40B4-BE49-F238E27FC236}">
-                <a16:creationId xmlns:a16="http://schemas.microsoft.com/office/drawing/2014/main" id="{136F8941-4465-2117-3A78-E2B3EC7BE4D2}"/>
+                <a16:creationId xmlns:a16="http://schemas.microsoft.com/office/drawing/2014/main" id="{C45F4E61-6D36-EAA6-0136-9BC655F5649C}"/>
               </a:ext>
             </a:extLst>
           </p:cNvPr>
@@ -1987,7 +1987,7 @@
           <p:cNvPr id="5" name="灯片编号占位符 4">
             <a:extLst>
               <a:ext uri="{FF2B5EF4-FFF2-40B4-BE49-F238E27FC236}">
-                <a16:creationId xmlns:a16="http://schemas.microsoft.com/office/drawing/2014/main" id="{A9FBDE2D-B47A-2B4B-57E9-6945816EAA4D}"/>
+                <a16:creationId xmlns:a16="http://schemas.microsoft.com/office/drawing/2014/main" id="{4687D8E4-D8E2-3D48-0CE3-8C87694B9C20}"/>
               </a:ext>
             </a:extLst>
           </p:cNvPr>
@@ -2003,7 +2003,7 @@
           <a:bodyPr/>
           <a:lstStyle/>
           <a:p>
-            <a:fld id="{47D79C01-078D-4783-B4C4-04435867855C}" type="slidenum">
+            <a:fld id="{EDA0990E-2083-46A7-A700-A98280564F10}" type="slidenum">
               <a:rPr lang="zh-CN" altLang="en-US" smtClean="0"/>
               <a:t>‹#›</a:t>
             </a:fld>
@@ -2014,7 +2014,7 @@
     </p:spTree>
     <p:extLst>
       <p:ext uri="{BB962C8B-B14F-4D97-AF65-F5344CB8AC3E}">
-        <p14:creationId xmlns:p14="http://schemas.microsoft.com/office/powerpoint/2010/main" val="3088832065"/>
+        <p14:creationId xmlns:p14="http://schemas.microsoft.com/office/powerpoint/2010/main" val="2956403484"/>
       </p:ext>
     </p:extLst>
   </p:cSld>
@@ -2046,7 +2046,7 @@
           <p:cNvPr id="2" name="日期占位符 1">
             <a:extLst>
               <a:ext uri="{FF2B5EF4-FFF2-40B4-BE49-F238E27FC236}">
-                <a16:creationId xmlns:a16="http://schemas.microsoft.com/office/drawing/2014/main" id="{BEF94E73-BC46-1C63-1FC7-EB547910DFA3}"/>
+                <a16:creationId xmlns:a16="http://schemas.microsoft.com/office/drawing/2014/main" id="{DDFC4027-5633-DEEE-3FC0-D0717AAC073B}"/>
               </a:ext>
             </a:extLst>
           </p:cNvPr>
@@ -2062,7 +2062,7 @@
           <a:bodyPr/>
           <a:lstStyle/>
           <a:p>
-            <a:fld id="{30B1C58C-B9AF-4F74-AE59-F7BE0F15B1B7}" type="datetimeFigureOut">
+            <a:fld id="{E23F0D44-EC92-4E2F-B47F-8E32B3F3FCD8}" type="datetimeFigureOut">
               <a:rPr lang="zh-CN" altLang="en-US" smtClean="0"/>
               <a:t>2024/3/10</a:t>
             </a:fld>
@@ -2075,7 +2075,7 @@
           <p:cNvPr id="3" name="页脚占位符 2">
             <a:extLst>
               <a:ext uri="{FF2B5EF4-FFF2-40B4-BE49-F238E27FC236}">
-                <a16:creationId xmlns:a16="http://schemas.microsoft.com/office/drawing/2014/main" id="{314103A1-86E1-FA17-5008-0860657812B7}"/>
+                <a16:creationId xmlns:a16="http://schemas.microsoft.com/office/drawing/2014/main" id="{6C39CBB8-4DD7-2174-864C-1BFA4C570F87}"/>
               </a:ext>
             </a:extLst>
           </p:cNvPr>
@@ -2100,7 +2100,7 @@
           <p:cNvPr id="4" name="灯片编号占位符 3">
             <a:extLst>
               <a:ext uri="{FF2B5EF4-FFF2-40B4-BE49-F238E27FC236}">
-                <a16:creationId xmlns:a16="http://schemas.microsoft.com/office/drawing/2014/main" id="{690F8D16-F4DC-86EA-C913-B8635FD66135}"/>
+                <a16:creationId xmlns:a16="http://schemas.microsoft.com/office/drawing/2014/main" id="{C235A94B-2814-2032-1CB1-747D505A22DA}"/>
               </a:ext>
             </a:extLst>
           </p:cNvPr>
@@ -2116,7 +2116,7 @@
           <a:bodyPr/>
           <a:lstStyle/>
           <a:p>
-            <a:fld id="{47D79C01-078D-4783-B4C4-04435867855C}" type="slidenum">
+            <a:fld id="{EDA0990E-2083-46A7-A700-A98280564F10}" type="slidenum">
               <a:rPr lang="zh-CN" altLang="en-US" smtClean="0"/>
               <a:t>‹#›</a:t>
             </a:fld>
@@ -2127,7 +2127,7 @@
     </p:spTree>
     <p:extLst>
       <p:ext uri="{BB962C8B-B14F-4D97-AF65-F5344CB8AC3E}">
-        <p14:creationId xmlns:p14="http://schemas.microsoft.com/office/powerpoint/2010/main" val="1093566231"/>
+        <p14:creationId xmlns:p14="http://schemas.microsoft.com/office/powerpoint/2010/main" val="1588125665"/>
       </p:ext>
     </p:extLst>
   </p:cSld>
@@ -2159,7 +2159,7 @@
           <p:cNvPr id="2" name="标题 1">
             <a:extLst>
               <a:ext uri="{FF2B5EF4-FFF2-40B4-BE49-F238E27FC236}">
-                <a16:creationId xmlns:a16="http://schemas.microsoft.com/office/drawing/2014/main" id="{79E3EE3B-A0D8-C4D0-76BF-6F939896C859}"/>
+                <a16:creationId xmlns:a16="http://schemas.microsoft.com/office/drawing/2014/main" id="{28FBFDB2-A3B0-670B-0E77-B55D4C2A62AB}"/>
               </a:ext>
             </a:extLst>
           </p:cNvPr>
@@ -2196,7 +2196,7 @@
           <p:cNvPr id="3" name="内容占位符 2">
             <a:extLst>
               <a:ext uri="{FF2B5EF4-FFF2-40B4-BE49-F238E27FC236}">
-                <a16:creationId xmlns:a16="http://schemas.microsoft.com/office/drawing/2014/main" id="{5E461A33-6C71-97D2-3767-7E955463BFD2}"/>
+                <a16:creationId xmlns:a16="http://schemas.microsoft.com/office/drawing/2014/main" id="{92083030-ADAA-CE0E-F058-B863A33D824E}"/>
               </a:ext>
             </a:extLst>
           </p:cNvPr>
@@ -2286,7 +2286,7 @@
           <p:cNvPr id="4" name="文本占位符 3">
             <a:extLst>
               <a:ext uri="{FF2B5EF4-FFF2-40B4-BE49-F238E27FC236}">
-                <a16:creationId xmlns:a16="http://schemas.microsoft.com/office/drawing/2014/main" id="{E2A5CD84-0AA5-3587-C9A0-8163DD953029}"/>
+                <a16:creationId xmlns:a16="http://schemas.microsoft.com/office/drawing/2014/main" id="{2877C316-454C-F10D-2B7A-6BB7ACAB2229}"/>
               </a:ext>
             </a:extLst>
           </p:cNvPr>
@@ -2357,7 +2357,7 @@
           <p:cNvPr id="5" name="日期占位符 4">
             <a:extLst>
               <a:ext uri="{FF2B5EF4-FFF2-40B4-BE49-F238E27FC236}">
-                <a16:creationId xmlns:a16="http://schemas.microsoft.com/office/drawing/2014/main" id="{984CAE1C-1786-39AD-4967-A82B623479EA}"/>
+                <a16:creationId xmlns:a16="http://schemas.microsoft.com/office/drawing/2014/main" id="{C1777A88-7570-CCAC-6933-B2F4610D243B}"/>
               </a:ext>
             </a:extLst>
           </p:cNvPr>
@@ -2373,7 +2373,7 @@
           <a:bodyPr/>
           <a:lstStyle/>
           <a:p>
-            <a:fld id="{30B1C58C-B9AF-4F74-AE59-F7BE0F15B1B7}" type="datetimeFigureOut">
+            <a:fld id="{E23F0D44-EC92-4E2F-B47F-8E32B3F3FCD8}" type="datetimeFigureOut">
               <a:rPr lang="zh-CN" altLang="en-US" smtClean="0"/>
               <a:t>2024/3/10</a:t>
             </a:fld>
@@ -2386,7 +2386,7 @@
           <p:cNvPr id="6" name="页脚占位符 5">
             <a:extLst>
               <a:ext uri="{FF2B5EF4-FFF2-40B4-BE49-F238E27FC236}">
-                <a16:creationId xmlns:a16="http://schemas.microsoft.com/office/drawing/2014/main" id="{5BB8FA61-1BA5-6228-011F-5CE947720F40}"/>
+                <a16:creationId xmlns:a16="http://schemas.microsoft.com/office/drawing/2014/main" id="{C9FD44F6-BD91-5ABD-4FC5-478C1B1C9DD5}"/>
               </a:ext>
             </a:extLst>
           </p:cNvPr>
@@ -2411,7 +2411,7 @@
           <p:cNvPr id="7" name="灯片编号占位符 6">
             <a:extLst>
               <a:ext uri="{FF2B5EF4-FFF2-40B4-BE49-F238E27FC236}">
-                <a16:creationId xmlns:a16="http://schemas.microsoft.com/office/drawing/2014/main" id="{42C85088-8BA7-0BCE-8E6B-971967A875C4}"/>
+                <a16:creationId xmlns:a16="http://schemas.microsoft.com/office/drawing/2014/main" id="{7FC69D52-33DB-DA5F-BF97-959CE423B26B}"/>
               </a:ext>
             </a:extLst>
           </p:cNvPr>
@@ -2427,7 +2427,7 @@
           <a:bodyPr/>
           <a:lstStyle/>
           <a:p>
-            <a:fld id="{47D79C01-078D-4783-B4C4-04435867855C}" type="slidenum">
+            <a:fld id="{EDA0990E-2083-46A7-A700-A98280564F10}" type="slidenum">
               <a:rPr lang="zh-CN" altLang="en-US" smtClean="0"/>
               <a:t>‹#›</a:t>
             </a:fld>
@@ -2438,7 +2438,7 @@
     </p:spTree>
     <p:extLst>
       <p:ext uri="{BB962C8B-B14F-4D97-AF65-F5344CB8AC3E}">
-        <p14:creationId xmlns:p14="http://schemas.microsoft.com/office/powerpoint/2010/main" val="2927389596"/>
+        <p14:creationId xmlns:p14="http://schemas.microsoft.com/office/powerpoint/2010/main" val="3976022617"/>
       </p:ext>
     </p:extLst>
   </p:cSld>
@@ -2470,7 +2470,7 @@
           <p:cNvPr id="2" name="标题 1">
             <a:extLst>
               <a:ext uri="{FF2B5EF4-FFF2-40B4-BE49-F238E27FC236}">
-                <a16:creationId xmlns:a16="http://schemas.microsoft.com/office/drawing/2014/main" id="{EC2E4494-CD39-F0D2-1180-0E6E9E6CFA6C}"/>
+                <a16:creationId xmlns:a16="http://schemas.microsoft.com/office/drawing/2014/main" id="{9CA09DB5-925D-5D89-72E9-930D99F5ACCE}"/>
               </a:ext>
             </a:extLst>
           </p:cNvPr>
@@ -2507,7 +2507,7 @@
           <p:cNvPr id="3" name="图片占位符 2">
             <a:extLst>
               <a:ext uri="{FF2B5EF4-FFF2-40B4-BE49-F238E27FC236}">
-                <a16:creationId xmlns:a16="http://schemas.microsoft.com/office/drawing/2014/main" id="{6E0A723E-6275-F3C7-54CE-66276BEB48CC}"/>
+                <a16:creationId xmlns:a16="http://schemas.microsoft.com/office/drawing/2014/main" id="{524A80AD-2318-87A2-D4CE-2C36021BE4DF}"/>
               </a:ext>
             </a:extLst>
           </p:cNvPr>
@@ -2574,7 +2574,7 @@
           <p:cNvPr id="4" name="文本占位符 3">
             <a:extLst>
               <a:ext uri="{FF2B5EF4-FFF2-40B4-BE49-F238E27FC236}">
-                <a16:creationId xmlns:a16="http://schemas.microsoft.com/office/drawing/2014/main" id="{7BDF9464-2A91-94BB-1A12-69AE1BA3A6CA}"/>
+                <a16:creationId xmlns:a16="http://schemas.microsoft.com/office/drawing/2014/main" id="{5F3277D6-B132-CEB5-90C9-2DE297987465}"/>
               </a:ext>
             </a:extLst>
           </p:cNvPr>
@@ -2645,7 +2645,7 @@
           <p:cNvPr id="5" name="日期占位符 4">
             <a:extLst>
               <a:ext uri="{FF2B5EF4-FFF2-40B4-BE49-F238E27FC236}">
-                <a16:creationId xmlns:a16="http://schemas.microsoft.com/office/drawing/2014/main" id="{3CF559F6-57B4-2383-667C-E6CB889DCDF5}"/>
+                <a16:creationId xmlns:a16="http://schemas.microsoft.com/office/drawing/2014/main" id="{1916DB54-8CB6-4657-0C38-502465CE0953}"/>
               </a:ext>
             </a:extLst>
           </p:cNvPr>
@@ -2661,7 +2661,7 @@
           <a:bodyPr/>
           <a:lstStyle/>
           <a:p>
-            <a:fld id="{30B1C58C-B9AF-4F74-AE59-F7BE0F15B1B7}" type="datetimeFigureOut">
+            <a:fld id="{E23F0D44-EC92-4E2F-B47F-8E32B3F3FCD8}" type="datetimeFigureOut">
               <a:rPr lang="zh-CN" altLang="en-US" smtClean="0"/>
               <a:t>2024/3/10</a:t>
             </a:fld>
@@ -2674,7 +2674,7 @@
           <p:cNvPr id="6" name="页脚占位符 5">
             <a:extLst>
               <a:ext uri="{FF2B5EF4-FFF2-40B4-BE49-F238E27FC236}">
-                <a16:creationId xmlns:a16="http://schemas.microsoft.com/office/drawing/2014/main" id="{C29E9509-098F-B93F-1D5A-EC45E58BD7B4}"/>
+                <a16:creationId xmlns:a16="http://schemas.microsoft.com/office/drawing/2014/main" id="{151B7773-FFC6-01D7-E473-034A99B9262C}"/>
               </a:ext>
             </a:extLst>
           </p:cNvPr>
@@ -2699,7 +2699,7 @@
           <p:cNvPr id="7" name="灯片编号占位符 6">
             <a:extLst>
               <a:ext uri="{FF2B5EF4-FFF2-40B4-BE49-F238E27FC236}">
-                <a16:creationId xmlns:a16="http://schemas.microsoft.com/office/drawing/2014/main" id="{B04C6C04-09CA-4D11-1562-F04B4158AF0B}"/>
+                <a16:creationId xmlns:a16="http://schemas.microsoft.com/office/drawing/2014/main" id="{F61F8AA6-53FE-3B58-6383-F3FE3B0688F4}"/>
               </a:ext>
             </a:extLst>
           </p:cNvPr>
@@ -2715,7 +2715,7 @@
           <a:bodyPr/>
           <a:lstStyle/>
           <a:p>
-            <a:fld id="{47D79C01-078D-4783-B4C4-04435867855C}" type="slidenum">
+            <a:fld id="{EDA0990E-2083-46A7-A700-A98280564F10}" type="slidenum">
               <a:rPr lang="zh-CN" altLang="en-US" smtClean="0"/>
               <a:t>‹#›</a:t>
             </a:fld>
@@ -2726,7 +2726,7 @@
     </p:spTree>
     <p:extLst>
       <p:ext uri="{BB962C8B-B14F-4D97-AF65-F5344CB8AC3E}">
-        <p14:creationId xmlns:p14="http://schemas.microsoft.com/office/powerpoint/2010/main" val="1699863565"/>
+        <p14:creationId xmlns:p14="http://schemas.microsoft.com/office/powerpoint/2010/main" val="1317246406"/>
       </p:ext>
     </p:extLst>
   </p:cSld>
@@ -2763,7 +2763,7 @@
           <p:cNvPr id="2" name="标题占位符 1">
             <a:extLst>
               <a:ext uri="{FF2B5EF4-FFF2-40B4-BE49-F238E27FC236}">
-                <a16:creationId xmlns:a16="http://schemas.microsoft.com/office/drawing/2014/main" id="{4869E39C-3856-1C2D-C5B8-69142AB5D28F}"/>
+                <a16:creationId xmlns:a16="http://schemas.microsoft.com/office/drawing/2014/main" id="{8FA53AFF-178A-A091-5DDE-A42F12756546}"/>
               </a:ext>
             </a:extLst>
           </p:cNvPr>
@@ -2801,7 +2801,7 @@
           <p:cNvPr id="3" name="文本占位符 2">
             <a:extLst>
               <a:ext uri="{FF2B5EF4-FFF2-40B4-BE49-F238E27FC236}">
-                <a16:creationId xmlns:a16="http://schemas.microsoft.com/office/drawing/2014/main" id="{9CC8252D-EC0E-510C-E69E-17C1E2A4823E}"/>
+                <a16:creationId xmlns:a16="http://schemas.microsoft.com/office/drawing/2014/main" id="{92EF4C2D-EBC6-E1EA-3E22-812B884F19C6}"/>
               </a:ext>
             </a:extLst>
           </p:cNvPr>
@@ -2868,7 +2868,7 @@
           <p:cNvPr id="4" name="日期占位符 3">
             <a:extLst>
               <a:ext uri="{FF2B5EF4-FFF2-40B4-BE49-F238E27FC236}">
-                <a16:creationId xmlns:a16="http://schemas.microsoft.com/office/drawing/2014/main" id="{1846011D-0F40-E14E-DACD-9345F6906643}"/>
+                <a16:creationId xmlns:a16="http://schemas.microsoft.com/office/drawing/2014/main" id="{4C3C9FC4-3DD2-8F53-BBC0-C58C0742D910}"/>
               </a:ext>
             </a:extLst>
           </p:cNvPr>
@@ -2902,7 +2902,7 @@
             </a:lvl1pPr>
           </a:lstStyle>
           <a:p>
-            <a:fld id="{30B1C58C-B9AF-4F74-AE59-F7BE0F15B1B7}" type="datetimeFigureOut">
+            <a:fld id="{E23F0D44-EC92-4E2F-B47F-8E32B3F3FCD8}" type="datetimeFigureOut">
               <a:rPr lang="zh-CN" altLang="en-US" smtClean="0"/>
               <a:t>2024/3/10</a:t>
             </a:fld>
@@ -2915,7 +2915,7 @@
           <p:cNvPr id="5" name="页脚占位符 4">
             <a:extLst>
               <a:ext uri="{FF2B5EF4-FFF2-40B4-BE49-F238E27FC236}">
-                <a16:creationId xmlns:a16="http://schemas.microsoft.com/office/drawing/2014/main" id="{4158FDCA-06D7-C260-F552-4C5305E733C1}"/>
+                <a16:creationId xmlns:a16="http://schemas.microsoft.com/office/drawing/2014/main" id="{83F59ED7-1F5D-EDB0-1372-928F3F6FA501}"/>
               </a:ext>
             </a:extLst>
           </p:cNvPr>
@@ -2958,7 +2958,7 @@
           <p:cNvPr id="6" name="灯片编号占位符 5">
             <a:extLst>
               <a:ext uri="{FF2B5EF4-FFF2-40B4-BE49-F238E27FC236}">
-                <a16:creationId xmlns:a16="http://schemas.microsoft.com/office/drawing/2014/main" id="{C676DF43-D1D9-DD91-DDB3-F2446E12B311}"/>
+                <a16:creationId xmlns:a16="http://schemas.microsoft.com/office/drawing/2014/main" id="{3E1AA6DB-8D12-FFE2-C591-339EE4B7362E}"/>
               </a:ext>
             </a:extLst>
           </p:cNvPr>
@@ -2992,7 +2992,7 @@
             </a:lvl1pPr>
           </a:lstStyle>
           <a:p>
-            <a:fld id="{47D79C01-078D-4783-B4C4-04435867855C}" type="slidenum">
+            <a:fld id="{EDA0990E-2083-46A7-A700-A98280564F10}" type="slidenum">
               <a:rPr lang="zh-CN" altLang="en-US" smtClean="0"/>
               <a:t>‹#›</a:t>
             </a:fld>
@@ -3003,7 +3003,7 @@
     </p:spTree>
     <p:extLst>
       <p:ext uri="{BB962C8B-B14F-4D97-AF65-F5344CB8AC3E}">
-        <p14:creationId xmlns:p14="http://schemas.microsoft.com/office/powerpoint/2010/main" val="686842327"/>
+        <p14:creationId xmlns:p14="http://schemas.microsoft.com/office/powerpoint/2010/main" val="2038918192"/>
       </p:ext>
     </p:extLst>
   </p:cSld>
@@ -3323,7 +3323,7 @@
       </p:grpSpPr>
       <p:pic>
         <p:nvPicPr>
-          <p:cNvPr id="268290" name="Picture 2" descr="261"/>
+          <p:cNvPr id="269314" name="Picture 2" descr="262"/>
           <p:cNvPicPr>
             <a:picLocks noChangeAspect="1" noChangeArrowheads="1"/>
           </p:cNvPicPr>
@@ -3375,11 +3375,158 @@
           </a:extLst>
         </p:spPr>
       </p:pic>
+      <p:pic>
+        <p:nvPicPr>
+          <p:cNvPr id="270339" name="Picture 3" descr="262-2"/>
+          <p:cNvPicPr>
+            <a:picLocks noChangeAspect="1" noChangeArrowheads="1"/>
+          </p:cNvPicPr>
+          <p:nvPr/>
+        </p:nvPicPr>
+        <p:blipFill>
+          <a:blip r:embed="rId3">
+            <a:extLst>
+              <a:ext uri="{28A0092B-C50C-407E-A947-70E740481C1C}">
+                <a14:useLocalDpi xmlns:a14="http://schemas.microsoft.com/office/drawing/2010/main" val="0"/>
+              </a:ext>
+            </a:extLst>
+          </a:blip>
+          <a:srcRect/>
+          <a:stretch>
+            <a:fillRect/>
+          </a:stretch>
+        </p:blipFill>
+        <p:spPr bwMode="auto">
+          <a:xfrm>
+            <a:off x="1524000" y="0"/>
+            <a:ext cx="9144000" cy="6858000"/>
+          </a:xfrm>
+          <a:prstGeom prst="rect">
+            <a:avLst/>
+          </a:prstGeom>
+          <a:noFill/>
+          <a:ln>
+            <a:noFill/>
+          </a:ln>
+          <a:effectLst/>
+          <a:extLst>
+            <a:ext uri="{909E8E84-426E-40DD-AFC4-6F175D3DCCD1}">
+              <a14:hiddenFill xmlns:a14="http://schemas.microsoft.com/office/drawing/2010/main">
+                <a:solidFill>
+                  <a:srgbClr val="FFFFFF"/>
+                </a:solidFill>
+              </a14:hiddenFill>
+            </a:ext>
+            <a:ext uri="{91240B29-F687-4F45-9708-019B960494DF}">
+              <a14:hiddenLine xmlns:a14="http://schemas.microsoft.com/office/drawing/2010/main" w="9525">
+                <a:solidFill>
+                  <a:srgbClr val="000000"/>
+                </a:solidFill>
+                <a:miter lim="800000"/>
+                <a:headEnd/>
+                <a:tailEnd/>
+              </a14:hiddenLine>
+            </a:ext>
+            <a:ext uri="{AF507438-7753-43E0-B8FC-AC1667EBCBE1}">
+              <a14:hiddenEffects xmlns:a14="http://schemas.microsoft.com/office/drawing/2010/main">
+                <a:effectLst>
+                  <a:outerShdw dist="35921" dir="2700000" algn="ctr" rotWithShape="0">
+                    <a:srgbClr val="808080"/>
+                  </a:outerShdw>
+                </a:effectLst>
+              </a14:hiddenEffects>
+            </a:ext>
+          </a:extLst>
+        </p:spPr>
+      </p:pic>
     </p:spTree>
   </p:cSld>
   <p:clrMapOvr>
     <a:masterClrMapping/>
   </p:clrMapOvr>
+  <p:timing>
+    <p:tnLst>
+      <p:par>
+        <p:cTn id="1" dur="indefinite" restart="never" nodeType="tmRoot">
+          <p:childTnLst>
+            <p:seq concurrent="1" nextAc="seek">
+              <p:cTn id="2" dur="indefinite" nodeType="mainSeq">
+                <p:childTnLst>
+                  <p:par>
+                    <p:cTn id="3" fill="hold" nodeType="clickPar">
+                      <p:stCondLst>
+                        <p:cond delay="indefinite"/>
+                      </p:stCondLst>
+                      <p:childTnLst>
+                        <p:par>
+                          <p:cTn id="4" fill="hold" nodeType="withGroup">
+                            <p:stCondLst>
+                              <p:cond delay="0"/>
+                            </p:stCondLst>
+                            <p:childTnLst>
+                              <p:par>
+                                <p:cTn id="5" presetID="10" presetClass="entr" presetSubtype="0" fill="hold" nodeType="clickEffect">
+                                  <p:stCondLst>
+                                    <p:cond delay="0"/>
+                                  </p:stCondLst>
+                                  <p:childTnLst>
+                                    <p:set>
+                                      <p:cBhvr>
+                                        <p:cTn id="6" dur="1" fill="hold">
+                                          <p:stCondLst>
+                                            <p:cond delay="0"/>
+                                          </p:stCondLst>
+                                        </p:cTn>
+                                        <p:tgtEl>
+                                          <p:spTgt spid="270339"/>
+                                        </p:tgtEl>
+                                        <p:attrNameLst>
+                                          <p:attrName>style.visibility</p:attrName>
+                                        </p:attrNameLst>
+                                      </p:cBhvr>
+                                      <p:to>
+                                        <p:strVal val="visible"/>
+                                      </p:to>
+                                    </p:set>
+                                    <p:animEffect transition="in" filter="fade">
+                                      <p:cBhvr>
+                                        <p:cTn id="7" dur="500"/>
+                                        <p:tgtEl>
+                                          <p:spTgt spid="270339"/>
+                                        </p:tgtEl>
+                                      </p:cBhvr>
+                                    </p:animEffect>
+                                  </p:childTnLst>
+                                </p:cTn>
+                              </p:par>
+                            </p:childTnLst>
+                          </p:cTn>
+                        </p:par>
+                      </p:childTnLst>
+                    </p:cTn>
+                  </p:par>
+                </p:childTnLst>
+              </p:cTn>
+              <p:prevCondLst>
+                <p:cond evt="onPrev" delay="0">
+                  <p:tgtEl>
+                    <p:sldTgt/>
+                  </p:tgtEl>
+                </p:cond>
+              </p:prevCondLst>
+              <p:nextCondLst>
+                <p:cond evt="onNext" delay="0">
+                  <p:tgtEl>
+                    <p:sldTgt/>
+                  </p:tgtEl>
+                </p:cond>
+              </p:nextCondLst>
+            </p:seq>
+          </p:childTnLst>
+        </p:cTn>
+      </p:par>
+    </p:tnLst>
+  </p:timing>
 </p:sld>
 </file>
 
